--- a/STAJ DEFTERİ PARÇALARI/EK12.pptx
+++ b/STAJ DEFTERİ PARÇALARI/EK12.pptx
@@ -5,7 +5,7 @@
     <p:sldMasterId id="2147483766" r:id="rId1"/>
   </p:sldMasterIdLst>
   <p:notesMasterIdLst>
-    <p:notesMasterId r:id="rId20"/>
+    <p:notesMasterId r:id="rId19"/>
   </p:notesMasterIdLst>
   <p:sldIdLst>
     <p:sldId id="256" r:id="rId2"/>
@@ -21,11 +21,10 @@
     <p:sldId id="268" r:id="rId12"/>
     <p:sldId id="264" r:id="rId13"/>
     <p:sldId id="270" r:id="rId14"/>
-    <p:sldId id="269" r:id="rId15"/>
-    <p:sldId id="271" r:id="rId16"/>
-    <p:sldId id="272" r:id="rId17"/>
-    <p:sldId id="273" r:id="rId18"/>
-    <p:sldId id="274" r:id="rId19"/>
+    <p:sldId id="271" r:id="rId15"/>
+    <p:sldId id="272" r:id="rId16"/>
+    <p:sldId id="273" r:id="rId17"/>
+    <p:sldId id="274" r:id="rId18"/>
   </p:sldIdLst>
   <p:sldSz cx="12192000" cy="6858000"/>
   <p:notesSz cx="6858000" cy="9144000"/>
@@ -142,7 +141,6 @@
             <p14:sldId id="268"/>
             <p14:sldId id="264"/>
             <p14:sldId id="270"/>
-            <p14:sldId id="269"/>
             <p14:sldId id="271"/>
             <p14:sldId id="272"/>
             <p14:sldId id="273"/>
@@ -240,7 +238,7 @@
           <a:p>
             <a:fld id="{3A6D1C15-5582-4E65-8583-F9CA5042E30B}" type="datetimeFigureOut">
               <a:rPr lang="tr-TR" smtClean="0"/>
-              <a:t>24.09.2023</a:t>
+              <a:t>27.09.2023</a:t>
             </a:fld>
             <a:endParaRPr lang="tr-TR"/>
           </a:p>
@@ -994,7 +992,7 @@
           <a:p>
             <a:fld id="{1778D8B3-7438-4766-93E9-18E85ADA547E}" type="datetimeFigureOut">
               <a:rPr lang="tr-TR" smtClean="0"/>
-              <a:t>24.09.2023</a:t>
+              <a:t>27.09.2023</a:t>
             </a:fld>
             <a:endParaRPr lang="tr-TR"/>
           </a:p>
@@ -1173,7 +1171,7 @@
           <a:p>
             <a:fld id="{1778D8B3-7438-4766-93E9-18E85ADA547E}" type="datetimeFigureOut">
               <a:rPr lang="tr-TR" smtClean="0"/>
-              <a:t>24.09.2023</a:t>
+              <a:t>27.09.2023</a:t>
             </a:fld>
             <a:endParaRPr lang="tr-TR"/>
           </a:p>
@@ -1353,7 +1351,7 @@
           <a:p>
             <a:fld id="{1778D8B3-7438-4766-93E9-18E85ADA547E}" type="datetimeFigureOut">
               <a:rPr lang="tr-TR" smtClean="0"/>
-              <a:t>24.09.2023</a:t>
+              <a:t>27.09.2023</a:t>
             </a:fld>
             <a:endParaRPr lang="tr-TR"/>
           </a:p>
@@ -1528,7 +1526,7 @@
           <a:p>
             <a:fld id="{1778D8B3-7438-4766-93E9-18E85ADA547E}" type="datetimeFigureOut">
               <a:rPr lang="tr-TR" smtClean="0"/>
-              <a:t>24.09.2023</a:t>
+              <a:t>27.09.2023</a:t>
             </a:fld>
             <a:endParaRPr lang="tr-TR"/>
           </a:p>
@@ -1698,7 +1696,7 @@
           <a:p>
             <a:fld id="{1778D8B3-7438-4766-93E9-18E85ADA547E}" type="datetimeFigureOut">
               <a:rPr lang="tr-TR" smtClean="0"/>
-              <a:t>24.09.2023</a:t>
+              <a:t>27.09.2023</a:t>
             </a:fld>
             <a:endParaRPr lang="tr-TR"/>
           </a:p>
@@ -2011,7 +2009,7 @@
           <a:p>
             <a:fld id="{1778D8B3-7438-4766-93E9-18E85ADA547E}" type="datetimeFigureOut">
               <a:rPr lang="tr-TR" smtClean="0"/>
-              <a:t>24.09.2023</a:t>
+              <a:t>27.09.2023</a:t>
             </a:fld>
             <a:endParaRPr lang="tr-TR"/>
           </a:p>
@@ -2397,7 +2395,7 @@
           <a:p>
             <a:fld id="{1778D8B3-7438-4766-93E9-18E85ADA547E}" type="datetimeFigureOut">
               <a:rPr lang="tr-TR" smtClean="0"/>
-              <a:t>24.09.2023</a:t>
+              <a:t>27.09.2023</a:t>
             </a:fld>
             <a:endParaRPr lang="tr-TR"/>
           </a:p>
@@ -2831,7 +2829,7 @@
           <a:p>
             <a:fld id="{1778D8B3-7438-4766-93E9-18E85ADA547E}" type="datetimeFigureOut">
               <a:rPr lang="tr-TR" smtClean="0"/>
-              <a:t>24.09.2023</a:t>
+              <a:t>27.09.2023</a:t>
             </a:fld>
             <a:endParaRPr lang="tr-TR"/>
           </a:p>
@@ -2949,7 +2947,7 @@
           <a:p>
             <a:fld id="{1778D8B3-7438-4766-93E9-18E85ADA547E}" type="datetimeFigureOut">
               <a:rPr lang="tr-TR" smtClean="0"/>
-              <a:t>24.09.2023</a:t>
+              <a:t>27.09.2023</a:t>
             </a:fld>
             <a:endParaRPr lang="tr-TR"/>
           </a:p>
@@ -3044,7 +3042,7 @@
           <a:p>
             <a:fld id="{1778D8B3-7438-4766-93E9-18E85ADA547E}" type="datetimeFigureOut">
               <a:rPr lang="tr-TR" smtClean="0"/>
-              <a:t>24.09.2023</a:t>
+              <a:t>27.09.2023</a:t>
             </a:fld>
             <a:endParaRPr lang="tr-TR"/>
           </a:p>
@@ -3394,7 +3392,7 @@
           <a:p>
             <a:fld id="{1778D8B3-7438-4766-93E9-18E85ADA547E}" type="datetimeFigureOut">
               <a:rPr lang="tr-TR" smtClean="0"/>
-              <a:t>24.09.2023</a:t>
+              <a:t>27.09.2023</a:t>
             </a:fld>
             <a:endParaRPr lang="tr-TR"/>
           </a:p>
@@ -3819,7 +3817,7 @@
           <a:p>
             <a:fld id="{1778D8B3-7438-4766-93E9-18E85ADA547E}" type="datetimeFigureOut">
               <a:rPr lang="tr-TR" smtClean="0"/>
-              <a:t>24.09.2023</a:t>
+              <a:t>27.09.2023</a:t>
             </a:fld>
             <a:endParaRPr lang="tr-TR"/>
           </a:p>
@@ -4100,7 +4098,7 @@
           <a:p>
             <a:fld id="{1778D8B3-7438-4766-93E9-18E85ADA547E}" type="datetimeFigureOut">
               <a:rPr lang="tr-TR" smtClean="0"/>
-              <a:t>24.09.2023</a:t>
+              <a:t>27.09.2023</a:t>
             </a:fld>
             <a:endParaRPr lang="tr-TR"/>
           </a:p>
@@ -5365,119 +5363,6 @@
           <a:lstStyle/>
           <a:p>
             <a:r>
-              <a:rPr lang="tr-TR" dirty="0" err="1"/>
-              <a:t>Make</a:t>
-            </a:r>
-            <a:r>
-              <a:rPr lang="tr-TR" dirty="0"/>
-              <a:t> </a:t>
-            </a:r>
-            <a:r>
-              <a:rPr lang="tr-TR" dirty="0" err="1"/>
-              <a:t>object</a:t>
-            </a:r>
-            <a:r>
-              <a:rPr lang="tr-TR" dirty="0"/>
-              <a:t> </a:t>
-            </a:r>
-            <a:r>
-              <a:rPr lang="tr-TR" dirty="0" err="1"/>
-              <a:t>ıd</a:t>
-            </a:r>
-            <a:endParaRPr lang="tr-TR" dirty="0"/>
-          </a:p>
-        </p:txBody>
-      </p:sp>
-      <p:sp>
-        <p:nvSpPr>
-          <p:cNvPr id="3" name="İçerik Yer Tutucusu 2">
-            <a:extLst>
-              <a:ext uri="{FF2B5EF4-FFF2-40B4-BE49-F238E27FC236}">
-                <a16:creationId xmlns:a16="http://schemas.microsoft.com/office/drawing/2014/main" id="{FE3BA8D4-110C-8EE4-2BC6-39A05D2C5973}"/>
-              </a:ext>
-            </a:extLst>
-          </p:cNvPr>
-          <p:cNvSpPr>
-            <a:spLocks noGrp="1"/>
-          </p:cNvSpPr>
-          <p:nvPr>
-            <p:ph sz="quarter" idx="13"/>
-          </p:nvPr>
-        </p:nvSpPr>
-        <p:spPr/>
-        <p:txBody>
-          <a:bodyPr/>
-          <a:lstStyle/>
-          <a:p>
-            <a:r>
-              <a:rPr lang="tr-TR" b="0" i="0" cap="none" dirty="0">
-                <a:solidFill>
-                  <a:srgbClr val="242424"/>
-                </a:solidFill>
-                <a:effectLst/>
-                <a:latin typeface="source-serif-pro"/>
-              </a:rPr>
-              <a:t>Bu özellik bir objeyi içinde bulunduğu parantezler dışında da takip edebilmemize olanak sağlar.</a:t>
-            </a:r>
-            <a:endParaRPr lang="tr-TR" cap="none" dirty="0">
-              <a:latin typeface="Calibri" panose="020F0502020204030204" pitchFamily="34" charset="0"/>
-              <a:cs typeface="Calibri" panose="020F0502020204030204" pitchFamily="34" charset="0"/>
-            </a:endParaRPr>
-          </a:p>
-        </p:txBody>
-      </p:sp>
-    </p:spTree>
-    <p:extLst>
-      <p:ext uri="{BB962C8B-B14F-4D97-AF65-F5344CB8AC3E}">
-        <p14:creationId xmlns:p14="http://schemas.microsoft.com/office/powerpoint/2010/main" val="3848467657"/>
-      </p:ext>
-    </p:extLst>
-  </p:cSld>
-  <p:clrMapOvr>
-    <a:masterClrMapping/>
-  </p:clrMapOvr>
-</p:sld>
-</file>
-
-<file path=ppt/slides/slide15.xml><?xml version="1.0" encoding="utf-8"?>
-<p:sld xmlns:a="http://schemas.openxmlformats.org/drawingml/2006/main" xmlns:r="http://schemas.openxmlformats.org/officeDocument/2006/relationships" xmlns:p="http://schemas.openxmlformats.org/presentationml/2006/main">
-  <p:cSld>
-    <p:spTree>
-      <p:nvGrpSpPr>
-        <p:cNvPr id="1" name=""/>
-        <p:cNvGrpSpPr/>
-        <p:nvPr/>
-      </p:nvGrpSpPr>
-      <p:grpSpPr>
-        <a:xfrm>
-          <a:off x="0" y="0"/>
-          <a:ext cx="0" cy="0"/>
-          <a:chOff x="0" y="0"/>
-          <a:chExt cx="0" cy="0"/>
-        </a:xfrm>
-      </p:grpSpPr>
-      <p:sp>
-        <p:nvSpPr>
-          <p:cNvPr id="2" name="Başlık 1">
-            <a:extLst>
-              <a:ext uri="{FF2B5EF4-FFF2-40B4-BE49-F238E27FC236}">
-                <a16:creationId xmlns:a16="http://schemas.microsoft.com/office/drawing/2014/main" id="{6DB97821-5E85-5819-20B0-BA042414AE9B}"/>
-              </a:ext>
-            </a:extLst>
-          </p:cNvPr>
-          <p:cNvSpPr>
-            <a:spLocks noGrp="1"/>
-          </p:cNvSpPr>
-          <p:nvPr>
-            <p:ph type="title"/>
-          </p:nvPr>
-        </p:nvSpPr>
-        <p:spPr/>
-        <p:txBody>
-          <a:bodyPr/>
-          <a:lstStyle/>
-          <a:p>
-            <a:r>
               <a:rPr lang="tr-TR" dirty="0"/>
               <a:t>Call </a:t>
             </a:r>
@@ -5587,7 +5472,7 @@
 </p:sld>
 </file>
 
-<file path=ppt/slides/slide16.xml><?xml version="1.0" encoding="utf-8"?>
+<file path=ppt/slides/slide15.xml><?xml version="1.0" encoding="utf-8"?>
 <p:sld xmlns:a="http://schemas.openxmlformats.org/drawingml/2006/main" xmlns:r="http://schemas.openxmlformats.org/officeDocument/2006/relationships" xmlns:p="http://schemas.openxmlformats.org/presentationml/2006/main">
   <p:cSld>
     <p:spTree>
@@ -5868,7 +5753,7 @@
 </p:sld>
 </file>
 
-<file path=ppt/slides/slide17.xml><?xml version="1.0" encoding="utf-8"?>
+<file path=ppt/slides/slide16.xml><?xml version="1.0" encoding="utf-8"?>
 <p:sld xmlns:a="http://schemas.openxmlformats.org/drawingml/2006/main" xmlns:r="http://schemas.openxmlformats.org/officeDocument/2006/relationships" xmlns:p="http://schemas.openxmlformats.org/presentationml/2006/main" showMasterSp="0">
   <p:cSld>
     <p:spTree>
@@ -6147,7 +6032,7 @@
 </p:sld>
 </file>
 
-<file path=ppt/slides/slide18.xml><?xml version="1.0" encoding="utf-8"?>
+<file path=ppt/slides/slide17.xml><?xml version="1.0" encoding="utf-8"?>
 <p:sld xmlns:a="http://schemas.openxmlformats.org/drawingml/2006/main" xmlns:r="http://schemas.openxmlformats.org/officeDocument/2006/relationships" xmlns:p="http://schemas.openxmlformats.org/presentationml/2006/main" showMasterSp="0">
   <p:cSld>
     <p:spTree>
